--- a/20_MeanShift.pptx
+++ b/20_MeanShift.pptx
@@ -3664,7 +3664,7 @@
                   <a:srgbClr val="FFFF00"/>
                 </a:solidFill>
               </a:rPr>
-              <a:t>19.2 Mean-Shift Example 2</a:t>
+              <a:t>20.2 Mean-Shift Example 2</a:t>
             </a:r>
             <a:endParaRPr lang="zh-TW" altLang="en-US" b="1" dirty="0">
               <a:solidFill>
@@ -3981,7 +3981,7 @@
                   <a:srgbClr val="FFFF00"/>
                 </a:solidFill>
               </a:rPr>
-              <a:t>19.3 Pros and Cons</a:t>
+              <a:t>20.3 Pros and Cons</a:t>
             </a:r>
             <a:endParaRPr lang="zh-TW" altLang="en-US" sz="4800" b="1" dirty="0">
               <a:solidFill>
@@ -4154,7 +4154,7 @@
                   <a:srgbClr val="FFFF00"/>
                 </a:solidFill>
               </a:rPr>
-              <a:t>19.3 Pros and Cons</a:t>
+              <a:t>20.3 Pros and Cons</a:t>
             </a:r>
             <a:endParaRPr lang="zh-TW" altLang="en-US" b="1" dirty="0">
               <a:solidFill>
@@ -4515,7 +4515,7 @@
                   <a:srgbClr val="FFFF00"/>
                 </a:solidFill>
               </a:rPr>
-              <a:t>19.3 Pros and Cons</a:t>
+              <a:t>20.3 Pros and Cons</a:t>
             </a:r>
             <a:endParaRPr lang="zh-TW" altLang="en-US" b="1" dirty="0">
               <a:solidFill>
@@ -5291,7 +5291,7 @@
                   <a:srgbClr val="FFFF00"/>
                 </a:solidFill>
               </a:rPr>
-              <a:t>19.1 Mean-Shift Algorithm</a:t>
+              <a:t>20.1 Mean-Shift Algorithm</a:t>
             </a:r>
             <a:endParaRPr lang="zh-TW" altLang="en-US" sz="4800" b="1" dirty="0">
               <a:solidFill>
@@ -5815,7 +5815,7 @@
                   <a:srgbClr val="FFFF00"/>
                 </a:solidFill>
               </a:rPr>
-              <a:t>19.2 Mean-Shift Example 1</a:t>
+              <a:t>20.2 Mean-Shift Example 1</a:t>
             </a:r>
             <a:endParaRPr lang="zh-TW" altLang="en-US" sz="4800" b="1" dirty="0">
               <a:solidFill>
@@ -5988,7 +5988,7 @@
                   <a:srgbClr val="FFFF00"/>
                 </a:solidFill>
               </a:rPr>
-              <a:t>19.2 Mean-Shift Example 1</a:t>
+              <a:t>20.2 Mean-Shift Example 1</a:t>
             </a:r>
             <a:endParaRPr lang="zh-TW" altLang="en-US" b="1" dirty="0">
               <a:solidFill>
@@ -6276,7 +6276,7 @@
                   <a:srgbClr val="FFFF00"/>
                 </a:solidFill>
               </a:rPr>
-              <a:t>19.2 Mean-Shift Example 1</a:t>
+              <a:t>20.2 Mean-Shift Example 1</a:t>
             </a:r>
             <a:endParaRPr lang="zh-TW" altLang="en-US" b="1" dirty="0">
               <a:solidFill>
@@ -6558,7 +6558,7 @@
                   <a:srgbClr val="FFFF00"/>
                 </a:solidFill>
               </a:rPr>
-              <a:t>19.2 Mean-Shift Example 2</a:t>
+              <a:t>20.2 Mean-Shift Example 2</a:t>
             </a:r>
             <a:endParaRPr lang="zh-TW" altLang="en-US" sz="4800" b="1" dirty="0">
               <a:solidFill>
@@ -6731,7 +6731,7 @@
                   <a:srgbClr val="FFFF00"/>
                 </a:solidFill>
               </a:rPr>
-              <a:t>19.2 Mean-Shift Example 2</a:t>
+              <a:t>20.2 Mean-Shift Example 2</a:t>
             </a:r>
             <a:endParaRPr lang="zh-TW" altLang="en-US" b="1" dirty="0">
               <a:solidFill>
